--- a/Yelp-Reviews-and-Competitors-Analysis.pptx
+++ b/Yelp-Reviews-and-Competitors-Analysis.pptx
@@ -128,7 +128,7 @@
   </p:defaultTextStyle>
   <p:extLst>
     <p:ext uri="{EFAFB233-063F-42B5-8137-9DF3F51BA10A}">
-      <p15:sldGuideLst xmlns:p15="http://schemas.microsoft.com/office/powerpoint/2012/main" xmlns="">
+      <p15:sldGuideLst xmlns="" xmlns:p15="http://schemas.microsoft.com/office/powerpoint/2012/main">
         <p15:guide id="1" orient="horz" pos="2160" userDrawn="1">
           <p15:clr>
             <a:srgbClr val="A4A3A4"/>
@@ -142,7 +142,7 @@
       </p15:sldGuideLst>
     </p:ext>
     <p:ext uri="{2D200454-40CA-4A62-9FC3-DE9A4176ACB9}">
-      <p15:notesGuideLst xmlns:p15="http://schemas.microsoft.com/office/powerpoint/2012/main" xmlns="">
+      <p15:notesGuideLst xmlns="" xmlns:p15="http://schemas.microsoft.com/office/powerpoint/2012/main">
         <p15:guide id="1" orient="horz" pos="2880">
           <p15:clr>
             <a:srgbClr val="A4A3A4"/>
@@ -7580,12 +7580,12 @@
           <a:p>
             <a:pPr lvl="1"/>
             <a:r>
-              <a:rPr lang="en-US" dirty="0" err="1" smtClean="0"/>
-              <a:t>Analize</a:t>
-            </a:r>
-            <a:r>
               <a:rPr lang="en-US" dirty="0" smtClean="0"/>
-              <a:t> bigrams </a:t>
+              <a:t>Analyze </a:t>
+            </a:r>
+            <a:r>
+              <a:rPr lang="en-US" dirty="0" smtClean="0"/>
+              <a:t>bigrams </a:t>
             </a:r>
             <a:r>
               <a:rPr lang="en-US" dirty="0" err="1" smtClean="0"/>
@@ -7815,17 +7815,18 @@
           <a:p>
             <a:r>
               <a:rPr lang="en-US" sz="2400" dirty="0"/>
-              <a:t>Spark Context should not be null</a:t>
-            </a:r>
-          </a:p>
-          <a:p>
+              <a:t>Spark </a:t>
+            </a:r>
             <a:r>
               <a:rPr lang="en-US" sz="2400" dirty="0" smtClean="0"/>
-              <a:t>Extract </a:t>
-            </a:r>
+              <a:t>Context</a:t>
+            </a:r>
+            <a:endParaRPr lang="en-US" sz="2400" dirty="0"/>
+          </a:p>
+          <a:p>
             <a:r>
               <a:rPr lang="en-US" sz="2400" dirty="0" smtClean="0"/>
-              <a:t>Keywords</a:t>
+              <a:t>Extract Keywords</a:t>
             </a:r>
           </a:p>
           <a:p>
@@ -9166,7 +9167,7 @@
         </p:spPr>
         <p:txBody>
           <a:bodyPr>
-            <a:normAutofit lnSpcReduction="10000"/>
+            <a:normAutofit/>
           </a:bodyPr>
           <a:lstStyle/>
           <a:p>
@@ -9451,81 +9452,17 @@
                   <a:srgbClr val="000000"/>
                 </a:solidFill>
               </a:rPr>
-              <a:t>, date, votes</a:t>
+              <a:t>, date, </a:t>
+            </a:r>
+            <a:r>
+              <a:rPr lang="en-US" sz="1800" dirty="0" smtClean="0">
+                <a:solidFill>
+                  <a:srgbClr val="000000"/>
+                </a:solidFill>
+              </a:rPr>
+              <a:t>votes</a:t>
             </a:r>
             <a:endParaRPr lang="en-US" sz="2800" dirty="0"/>
-          </a:p>
-          <a:p>
-            <a:pPr marL="457200" lvl="1" indent="0">
-              <a:buNone/>
-            </a:pPr>
-            <a:endParaRPr lang="en-US" sz="2800" dirty="0" smtClean="0">
-              <a:solidFill>
-                <a:srgbClr val="0070C0"/>
-              </a:solidFill>
-            </a:endParaRPr>
-          </a:p>
-          <a:p>
-            <a:pPr lvl="1"/>
-            <a:r>
-              <a:rPr lang="en-US" sz="2800" b="1" dirty="0" smtClean="0">
-                <a:solidFill>
-                  <a:srgbClr val="0000FF"/>
-                </a:solidFill>
-              </a:rPr>
-              <a:t>User</a:t>
-            </a:r>
-            <a:r>
-              <a:rPr lang="en-US" sz="2800" dirty="0" smtClean="0">
-                <a:solidFill>
-                  <a:srgbClr val="0070C0"/>
-                </a:solidFill>
-              </a:rPr>
-              <a:t> </a:t>
-            </a:r>
-            <a:r>
-              <a:rPr lang="en-US" sz="2800" dirty="0" smtClean="0"/>
-              <a:t>– list of users</a:t>
-            </a:r>
-            <a:endParaRPr lang="en-US" dirty="0"/>
-          </a:p>
-          <a:p>
-            <a:pPr marL="914400" lvl="2" indent="0">
-              <a:buNone/>
-            </a:pPr>
-            <a:r>
-              <a:rPr lang="en-US" sz="1800" dirty="0" err="1" smtClean="0"/>
-              <a:t>User_id</a:t>
-            </a:r>
-            <a:r>
-              <a:rPr lang="en-US" sz="1800" dirty="0" smtClean="0"/>
-              <a:t>, name, </a:t>
-            </a:r>
-            <a:r>
-              <a:rPr lang="en-US" sz="1800" dirty="0" err="1" smtClean="0"/>
-              <a:t>review_count</a:t>
-            </a:r>
-            <a:r>
-              <a:rPr lang="en-US" sz="1800" dirty="0" smtClean="0"/>
-              <a:t>, </a:t>
-            </a:r>
-            <a:r>
-              <a:rPr lang="en-US" sz="1800" dirty="0" err="1" smtClean="0"/>
-              <a:t>average_stars</a:t>
-            </a:r>
-            <a:r>
-              <a:rPr lang="en-US" sz="1800" dirty="0" smtClean="0"/>
-              <a:t>, votes, friends, elite, </a:t>
-            </a:r>
-            <a:r>
-              <a:rPr lang="en-US" sz="1800" dirty="0" err="1" smtClean="0"/>
-              <a:t>yelping_since</a:t>
-            </a:r>
-            <a:r>
-              <a:rPr lang="en-US" sz="1800" dirty="0" smtClean="0"/>
-              <a:t>, compliments, fans</a:t>
-            </a:r>
-            <a:endParaRPr lang="en-US" sz="1800" dirty="0"/>
           </a:p>
         </p:txBody>
       </p:sp>
@@ -10735,7 +10672,22 @@
             </a:r>
             <a:r>
               <a:rPr lang="en-US" sz="1900" dirty="0" smtClean="0"/>
-              <a:t>  -&gt; Synonyms generation</a:t>
+              <a:t>  -&gt; Synonyms </a:t>
+            </a:r>
+            <a:r>
+              <a:rPr lang="en-US" sz="1900" dirty="0" smtClean="0"/>
+              <a:t>generation</a:t>
+            </a:r>
+          </a:p>
+          <a:p>
+            <a:pPr lvl="3"/>
+            <a:r>
+              <a:rPr lang="en-US" altLang="zh-CN" sz="1900" dirty="0"/>
+              <a:t>Creating word </a:t>
+            </a:r>
+            <a:r>
+              <a:rPr lang="en-US" altLang="zh-CN" sz="1900" dirty="0" smtClean="0"/>
+              <a:t>arrays</a:t>
             </a:r>
             <a:endParaRPr lang="en-US" sz="1900" dirty="0"/>
           </a:p>
@@ -10822,13 +10774,6 @@
               <a:t>-&gt; Sentiment</a:t>
             </a:r>
             <a:endParaRPr lang="en-US" sz="1900" dirty="0"/>
-          </a:p>
-          <a:p>
-            <a:pPr lvl="3"/>
-            <a:r>
-              <a:rPr lang="en-US" sz="1900" dirty="0"/>
-              <a:t>Creating word arrays</a:t>
-            </a:r>
           </a:p>
           <a:p>
             <a:pPr marL="0" indent="0">
@@ -11314,7 +11259,7 @@
   <a:extraClrSchemeLst/>
   <a:extLst>
     <a:ext uri="{05A4C25C-085E-4340-85A3-A5531E510DB2}">
-      <thm15:themeFamily xmlns:thm15="http://schemas.microsoft.com/office/thememl/2012/main" xmlns="" name="Presentation1" id="{0FD4FE16-3090-44A2-8363-C1FD2CAAFA18}" vid="{13A68687-34C5-49C2-9A09-1ADAC70C677D}"/>
+      <thm15:themeFamily xmlns="" xmlns:thm15="http://schemas.microsoft.com/office/thememl/2012/main" name="Presentation1" id="{0FD4FE16-3090-44A2-8363-C1FD2CAAFA18}" vid="{13A68687-34C5-49C2-9A09-1ADAC70C677D}"/>
     </a:ext>
   </a:extLst>
 </a:theme>
@@ -11575,7 +11520,7 @@
   <a:extraClrSchemeLst/>
   <a:extLst>
     <a:ext uri="{05A4C25C-085E-4340-85A3-A5531E510DB2}">
-      <thm15:themeFamily xmlns:thm15="http://schemas.microsoft.com/office/thememl/2012/main" xmlns="" name="Office Theme" id="{62F939B6-93AF-4DB8-9C6B-D6C7DFDC589F}" vid="{4A3C46E8-61CC-4603-A589-7422A47A8E4A}"/>
+      <thm15:themeFamily xmlns="" xmlns:thm15="http://schemas.microsoft.com/office/thememl/2012/main" name="Office Theme" id="{62F939B6-93AF-4DB8-9C6B-D6C7DFDC589F}" vid="{4A3C46E8-61CC-4603-A589-7422A47A8E4A}"/>
     </a:ext>
   </a:extLst>
 </a:theme>
